--- a/lectures/11/Correlation.pptx
+++ b/lectures/11/Correlation.pptx
@@ -5,19 +5,20 @@
     <p:sldMasterId id="2147483648" r:id="rId4"/>
   </p:sldMasterIdLst>
   <p:notesMasterIdLst>
-    <p:notesMasterId r:id="rId12"/>
+    <p:notesMasterId r:id="rId13"/>
   </p:notesMasterIdLst>
   <p:handoutMasterIdLst>
-    <p:handoutMasterId r:id="rId13"/>
+    <p:handoutMasterId r:id="rId14"/>
   </p:handoutMasterIdLst>
   <p:sldIdLst>
     <p:sldId id="256" r:id="rId5"/>
     <p:sldId id="257" r:id="rId6"/>
-    <p:sldId id="258" r:id="rId7"/>
-    <p:sldId id="259" r:id="rId8"/>
-    <p:sldId id="260" r:id="rId9"/>
-    <p:sldId id="261" r:id="rId10"/>
-    <p:sldId id="262" r:id="rId11"/>
+    <p:sldId id="263" r:id="rId7"/>
+    <p:sldId id="258" r:id="rId8"/>
+    <p:sldId id="259" r:id="rId9"/>
+    <p:sldId id="260" r:id="rId10"/>
+    <p:sldId id="261" r:id="rId11"/>
+    <p:sldId id="262" r:id="rId12"/>
   </p:sldIdLst>
   <p:sldSz cx="12192000" cy="6858000"/>
   <p:notesSz cx="6858000" cy="9144000"/>
@@ -8811,7 +8812,7 @@
           <a:p>
             <a:fld id="{73B2889B-A0AC-4482-8592-5C96F2309420}" type="datetimeFigureOut">
               <a:rPr lang="en-US" smtClean="0"/>
-              <a:t>6/1/2021</a:t>
+              <a:t>10/23/2021</a:t>
             </a:fld>
             <a:endParaRPr lang="en-US"/>
           </a:p>
@@ -8988,7 +8989,7 @@
           <a:p>
             <a:fld id="{830EB223-FFC0-462A-A3B8-EAA7CE0F8CBD}" type="datetimeFigureOut">
               <a:rPr lang="en-US" smtClean="0"/>
-              <a:t>6/1/2021</a:t>
+              <a:t>10/23/2021</a:t>
             </a:fld>
             <a:endParaRPr lang="en-US" dirty="0"/>
           </a:p>
@@ -9299,6 +9300,93 @@
           <a:bodyPr/>
           <a:lstStyle/>
           <a:p>
+            <a:r>
+              <a:rPr lang="en-US" dirty="0"/>
+              <a:t>Open Correlation docx and go over it</a:t>
+            </a:r>
+          </a:p>
+        </p:txBody>
+      </p:sp>
+      <p:sp>
+        <p:nvSpPr>
+          <p:cNvPr id="4" name="Slide Number Placeholder 3"/>
+          <p:cNvSpPr>
+            <a:spLocks noGrp="1"/>
+          </p:cNvSpPr>
+          <p:nvPr>
+            <p:ph type="sldNum" sz="quarter" idx="5"/>
+          </p:nvPr>
+        </p:nvSpPr>
+        <p:spPr/>
+        <p:txBody>
+          <a:bodyPr/>
+          <a:lstStyle/>
+          <a:p>
+            <a:fld id="{BC849E9A-41F7-4779-A581-48A7C374A227}" type="slidenum">
+              <a:rPr lang="en-US" smtClean="0"/>
+              <a:t>3</a:t>
+            </a:fld>
+            <a:endParaRPr lang="en-US" dirty="0"/>
+          </a:p>
+        </p:txBody>
+      </p:sp>
+    </p:spTree>
+    <p:extLst>
+      <p:ext uri="{BB962C8B-B14F-4D97-AF65-F5344CB8AC3E}">
+        <p14:creationId xmlns:p14="http://schemas.microsoft.com/office/powerpoint/2010/main" val="255056152"/>
+      </p:ext>
+    </p:extLst>
+  </p:cSld>
+  <p:clrMapOvr>
+    <a:masterClrMapping/>
+  </p:clrMapOvr>
+</p:notes>
+</file>
+
+<file path=ppt/notesSlides/notesSlide2.xml><?xml version="1.0" encoding="utf-8"?>
+<p:notes xmlns:a="http://schemas.openxmlformats.org/drawingml/2006/main" xmlns:r="http://schemas.openxmlformats.org/officeDocument/2006/relationships" xmlns:p="http://schemas.openxmlformats.org/presentationml/2006/main">
+  <p:cSld>
+    <p:spTree>
+      <p:nvGrpSpPr>
+        <p:cNvPr id="1" name=""/>
+        <p:cNvGrpSpPr/>
+        <p:nvPr/>
+      </p:nvGrpSpPr>
+      <p:grpSpPr>
+        <a:xfrm>
+          <a:off x="0" y="0"/>
+          <a:ext cx="0" cy="0"/>
+          <a:chOff x="0" y="0"/>
+          <a:chExt cx="0" cy="0"/>
+        </a:xfrm>
+      </p:grpSpPr>
+      <p:sp>
+        <p:nvSpPr>
+          <p:cNvPr id="2" name="Slide Image Placeholder 1"/>
+          <p:cNvSpPr>
+            <a:spLocks noGrp="1" noRot="1" noChangeAspect="1"/>
+          </p:cNvSpPr>
+          <p:nvPr>
+            <p:ph type="sldImg"/>
+          </p:nvPr>
+        </p:nvSpPr>
+        <p:spPr/>
+      </p:sp>
+      <p:sp>
+        <p:nvSpPr>
+          <p:cNvPr id="3" name="Notes Placeholder 2"/>
+          <p:cNvSpPr>
+            <a:spLocks noGrp="1"/>
+          </p:cNvSpPr>
+          <p:nvPr>
+            <p:ph type="body" idx="1"/>
+          </p:nvPr>
+        </p:nvSpPr>
+        <p:spPr/>
+        <p:txBody>
+          <a:bodyPr/>
+          <a:lstStyle/>
+          <a:p>
             <a:pPr marL="0" marR="0" lvl="0" indent="0" algn="l" defTabSz="914400" rtl="0" eaLnBrk="1" fontAlgn="auto" latinLnBrk="0" hangingPunct="1">
               <a:lnSpc>
                 <a:spcPct val="100000"/>
@@ -9343,7 +9431,7 @@
           <a:p>
             <a:fld id="{BC849E9A-41F7-4779-A581-48A7C374A227}" type="slidenum">
               <a:rPr lang="en-US" smtClean="0"/>
-              <a:t>4</a:t>
+              <a:t>5</a:t>
             </a:fld>
             <a:endParaRPr lang="en-US" dirty="0"/>
           </a:p>
@@ -9362,7 +9450,7 @@
 </p:notes>
 </file>
 
-<file path=ppt/notesSlides/notesSlide2.xml><?xml version="1.0" encoding="utf-8"?>
+<file path=ppt/notesSlides/notesSlide3.xml><?xml version="1.0" encoding="utf-8"?>
 <p:notes xmlns:a="http://schemas.openxmlformats.org/drawingml/2006/main" xmlns:r="http://schemas.openxmlformats.org/officeDocument/2006/relationships" xmlns:p="http://schemas.openxmlformats.org/presentationml/2006/main">
   <p:cSld>
     <p:spTree>
@@ -9487,7 +9575,7 @@
           <a:p>
             <a:fld id="{BC849E9A-41F7-4779-A581-48A7C374A227}" type="slidenum">
               <a:rPr lang="en-US" smtClean="0"/>
-              <a:t>6</a:t>
+              <a:t>7</a:t>
             </a:fld>
             <a:endParaRPr lang="en-US" dirty="0"/>
           </a:p>
@@ -9653,7 +9741,7 @@
           <a:p>
             <a:fld id="{DECF21A4-E71B-4D3A-AF45-E989C23A7BB1}" type="datetimeFigureOut">
               <a:rPr lang="en-US" smtClean="0"/>
-              <a:t>6/1/2021</a:t>
+              <a:t>10/23/2021</a:t>
             </a:fld>
             <a:endParaRPr lang="en-US" dirty="0"/>
           </a:p>
@@ -9851,7 +9939,7 @@
           <a:p>
             <a:fld id="{DECF21A4-E71B-4D3A-AF45-E989C23A7BB1}" type="datetimeFigureOut">
               <a:rPr lang="en-US" smtClean="0"/>
-              <a:t>6/1/2021</a:t>
+              <a:t>10/23/2021</a:t>
             </a:fld>
             <a:endParaRPr lang="en-US" dirty="0"/>
           </a:p>
@@ -10059,7 +10147,7 @@
           <a:p>
             <a:fld id="{DECF21A4-E71B-4D3A-AF45-E989C23A7BB1}" type="datetimeFigureOut">
               <a:rPr lang="en-US" smtClean="0"/>
-              <a:t>6/1/2021</a:t>
+              <a:t>10/23/2021</a:t>
             </a:fld>
             <a:endParaRPr lang="en-US" dirty="0"/>
           </a:p>
@@ -10257,7 +10345,7 @@
           <a:p>
             <a:fld id="{DECF21A4-E71B-4D3A-AF45-E989C23A7BB1}" type="datetimeFigureOut">
               <a:rPr lang="en-US" smtClean="0"/>
-              <a:t>6/1/2021</a:t>
+              <a:t>10/23/2021</a:t>
             </a:fld>
             <a:endParaRPr lang="en-US" dirty="0"/>
           </a:p>
@@ -10532,7 +10620,7 @@
           <a:p>
             <a:fld id="{DECF21A4-E71B-4D3A-AF45-E989C23A7BB1}" type="datetimeFigureOut">
               <a:rPr lang="en-US" smtClean="0"/>
-              <a:t>6/1/2021</a:t>
+              <a:t>10/23/2021</a:t>
             </a:fld>
             <a:endParaRPr lang="en-US" dirty="0"/>
           </a:p>
@@ -10797,7 +10885,7 @@
           <a:p>
             <a:fld id="{DECF21A4-E71B-4D3A-AF45-E989C23A7BB1}" type="datetimeFigureOut">
               <a:rPr lang="en-US" smtClean="0"/>
-              <a:t>6/1/2021</a:t>
+              <a:t>10/23/2021</a:t>
             </a:fld>
             <a:endParaRPr lang="en-US" dirty="0"/>
           </a:p>
@@ -11209,7 +11297,7 @@
           <a:p>
             <a:fld id="{DECF21A4-E71B-4D3A-AF45-E989C23A7BB1}" type="datetimeFigureOut">
               <a:rPr lang="en-US" smtClean="0"/>
-              <a:t>6/1/2021</a:t>
+              <a:t>10/23/2021</a:t>
             </a:fld>
             <a:endParaRPr lang="en-US" dirty="0"/>
           </a:p>
@@ -11350,7 +11438,7 @@
           <a:p>
             <a:fld id="{DECF21A4-E71B-4D3A-AF45-E989C23A7BB1}" type="datetimeFigureOut">
               <a:rPr lang="en-US" smtClean="0"/>
-              <a:t>6/1/2021</a:t>
+              <a:t>10/23/2021</a:t>
             </a:fld>
             <a:endParaRPr lang="en-US" dirty="0"/>
           </a:p>
@@ -11463,7 +11551,7 @@
           <a:p>
             <a:fld id="{DECF21A4-E71B-4D3A-AF45-E989C23A7BB1}" type="datetimeFigureOut">
               <a:rPr lang="en-US" smtClean="0"/>
-              <a:t>6/1/2021</a:t>
+              <a:t>10/23/2021</a:t>
             </a:fld>
             <a:endParaRPr lang="en-US" dirty="0"/>
           </a:p>
@@ -11774,7 +11862,7 @@
           <a:p>
             <a:fld id="{DECF21A4-E71B-4D3A-AF45-E989C23A7BB1}" type="datetimeFigureOut">
               <a:rPr lang="en-US" smtClean="0"/>
-              <a:t>6/1/2021</a:t>
+              <a:t>10/23/2021</a:t>
             </a:fld>
             <a:endParaRPr lang="en-US" dirty="0"/>
           </a:p>
@@ -12066,7 +12154,7 @@
           <a:p>
             <a:fld id="{DECF21A4-E71B-4D3A-AF45-E989C23A7BB1}" type="datetimeFigureOut">
               <a:rPr lang="en-US" smtClean="0"/>
-              <a:t>6/1/2021</a:t>
+              <a:t>10/23/2021</a:t>
             </a:fld>
             <a:endParaRPr lang="en-US" dirty="0"/>
           </a:p>
@@ -12307,7 +12395,7 @@
           <a:p>
             <a:fld id="{DECF21A4-E71B-4D3A-AF45-E989C23A7BB1}" type="datetimeFigureOut">
               <a:rPr lang="en-US" smtClean="0"/>
-              <a:t>6/1/2021</a:t>
+              <a:t>10/23/2021</a:t>
             </a:fld>
             <a:endParaRPr lang="en-US" dirty="0"/>
           </a:p>
@@ -14429,6 +14517,89 @@
           <a:chExt cx="0" cy="0"/>
         </a:xfrm>
       </p:grpSpPr>
+      <p:sp>
+        <p:nvSpPr>
+          <p:cNvPr id="2" name="Title 1">
+            <a:extLst>
+              <a:ext uri="{FF2B5EF4-FFF2-40B4-BE49-F238E27FC236}">
+                <a16:creationId xmlns:a16="http://schemas.microsoft.com/office/drawing/2014/main" id="{81EBD050-50CF-4503-9BE7-CFFD3DA5CD6D}"/>
+              </a:ext>
+            </a:extLst>
+          </p:cNvPr>
+          <p:cNvSpPr>
+            <a:spLocks noGrp="1"/>
+          </p:cNvSpPr>
+          <p:nvPr>
+            <p:ph type="title"/>
+          </p:nvPr>
+        </p:nvSpPr>
+        <p:spPr/>
+        <p:txBody>
+          <a:bodyPr/>
+          <a:lstStyle/>
+          <a:p>
+            <a:r>
+              <a:rPr lang="en-US" dirty="0"/>
+              <a:t>Correlation Sheet</a:t>
+            </a:r>
+          </a:p>
+        </p:txBody>
+      </p:sp>
+      <p:sp>
+        <p:nvSpPr>
+          <p:cNvPr id="3" name="Content Placeholder 2">
+            <a:extLst>
+              <a:ext uri="{FF2B5EF4-FFF2-40B4-BE49-F238E27FC236}">
+                <a16:creationId xmlns:a16="http://schemas.microsoft.com/office/drawing/2014/main" id="{AD0DB528-6EEA-4D6E-9103-E8FAF9A04A86}"/>
+              </a:ext>
+            </a:extLst>
+          </p:cNvPr>
+          <p:cNvSpPr>
+            <a:spLocks noGrp="1"/>
+          </p:cNvSpPr>
+          <p:nvPr>
+            <p:ph idx="1"/>
+          </p:nvPr>
+        </p:nvSpPr>
+        <p:spPr/>
+        <p:txBody>
+          <a:bodyPr/>
+          <a:lstStyle/>
+          <a:p>
+            <a:endParaRPr lang="en-US"/>
+          </a:p>
+        </p:txBody>
+      </p:sp>
+    </p:spTree>
+    <p:extLst>
+      <p:ext uri="{BB962C8B-B14F-4D97-AF65-F5344CB8AC3E}">
+        <p14:creationId xmlns:p14="http://schemas.microsoft.com/office/powerpoint/2010/main" val="2735568629"/>
+      </p:ext>
+    </p:extLst>
+  </p:cSld>
+  <p:clrMapOvr>
+    <a:masterClrMapping/>
+  </p:clrMapOvr>
+</p:sld>
+</file>
+
+<file path=ppt/slides/slide4.xml><?xml version="1.0" encoding="utf-8"?>
+<p:sld xmlns:a="http://schemas.openxmlformats.org/drawingml/2006/main" xmlns:r="http://schemas.openxmlformats.org/officeDocument/2006/relationships" xmlns:p="http://schemas.openxmlformats.org/presentationml/2006/main">
+  <p:cSld>
+    <p:spTree>
+      <p:nvGrpSpPr>
+        <p:cNvPr id="1" name=""/>
+        <p:cNvGrpSpPr/>
+        <p:nvPr/>
+      </p:nvGrpSpPr>
+      <p:grpSpPr>
+        <a:xfrm>
+          <a:off x="0" y="0"/>
+          <a:ext cx="0" cy="0"/>
+          <a:chOff x="0" y="0"/>
+          <a:chExt cx="0" cy="0"/>
+        </a:xfrm>
+      </p:grpSpPr>
       <p:pic>
         <p:nvPicPr>
           <p:cNvPr id="4" name="Google Shape;77;p14">
@@ -15604,7 +15775,7 @@
 </p:sld>
 </file>
 
-<file path=ppt/slides/slide4.xml><?xml version="1.0" encoding="utf-8"?>
+<file path=ppt/slides/slide5.xml><?xml version="1.0" encoding="utf-8"?>
 <p:sld xmlns:a="http://schemas.openxmlformats.org/drawingml/2006/main" xmlns:r="http://schemas.openxmlformats.org/officeDocument/2006/relationships" xmlns:p="http://schemas.openxmlformats.org/presentationml/2006/main">
   <p:cSld>
     <p:spTree>
@@ -16359,7 +16530,7 @@
 </p:sld>
 </file>
 
-<file path=ppt/slides/slide5.xml><?xml version="1.0" encoding="utf-8"?>
+<file path=ppt/slides/slide6.xml><?xml version="1.0" encoding="utf-8"?>
 <p:sld xmlns:a="http://schemas.openxmlformats.org/drawingml/2006/main" xmlns:r="http://schemas.openxmlformats.org/officeDocument/2006/relationships" xmlns:p="http://schemas.openxmlformats.org/presentationml/2006/main">
   <p:cSld>
     <p:bg>
@@ -16614,7 +16785,7 @@
 </p:sld>
 </file>
 
-<file path=ppt/slides/slide6.xml><?xml version="1.0" encoding="utf-8"?>
+<file path=ppt/slides/slide7.xml><?xml version="1.0" encoding="utf-8"?>
 <p:sld xmlns:a="http://schemas.openxmlformats.org/drawingml/2006/main" xmlns:r="http://schemas.openxmlformats.org/officeDocument/2006/relationships" xmlns:p="http://schemas.openxmlformats.org/presentationml/2006/main">
   <p:cSld>
     <p:bg>
@@ -17493,7 +17664,7 @@
 </p:sld>
 </file>
 
-<file path=ppt/slides/slide7.xml><?xml version="1.0" encoding="utf-8"?>
+<file path=ppt/slides/slide8.xml><?xml version="1.0" encoding="utf-8"?>
 <p:sld xmlns:a="http://schemas.openxmlformats.org/drawingml/2006/main" xmlns:r="http://schemas.openxmlformats.org/officeDocument/2006/relationships" xmlns:p="http://schemas.openxmlformats.org/presentationml/2006/main">
   <p:cSld>
     <p:bg>
@@ -19156,23 +19327,6 @@
 </file>
 
 <file path=customXml/item1.xml><?xml version="1.0" encoding="utf-8"?>
-<p:properties xmlns:p="http://schemas.microsoft.com/office/2006/metadata/properties" xmlns:xsi="http://www.w3.org/2001/XMLSchema-instance" xmlns:pc="http://schemas.microsoft.com/office/infopath/2007/PartnerControls">
-  <documentManagement>
-    <MediaServiceKeyPoints xmlns="71af3243-3dd4-4a8d-8c0d-dd76da1f02a5" xsi:nil="true"/>
-  </documentManagement>
-</p:properties>
-</file>
-
-<file path=customXml/item2.xml><?xml version="1.0" encoding="utf-8"?>
-<?mso-contentType ?>
-<FormTemplates xmlns="http://schemas.microsoft.com/sharepoint/v3/contenttype/forms">
-  <Display>DocumentLibraryForm</Display>
-  <Edit>DocumentLibraryForm</Edit>
-  <New>DocumentLibraryForm</New>
-</FormTemplates>
-</file>
-
-<file path=customXml/item3.xml><?xml version="1.0" encoding="utf-8"?>
 <ct:contentTypeSchema xmlns:ct="http://schemas.microsoft.com/office/2006/metadata/contentType" xmlns:ma="http://schemas.microsoft.com/office/2006/metadata/properties/metaAttributes" ct:_="" ma:_="" ma:contentTypeName="Document" ma:contentTypeID="0x01010079F111ED35F8CC479449609E8A0923A6" ma:contentTypeVersion="11" ma:contentTypeDescription="Create a new document." ma:contentTypeScope="" ma:versionID="96291512c1ee715ab617f4c07df79fc1">
   <xsd:schema xmlns:xsd="http://www.w3.org/2001/XMLSchema" xmlns:xs="http://www.w3.org/2001/XMLSchema" xmlns:p="http://schemas.microsoft.com/office/2006/metadata/properties" xmlns:ns2="71af3243-3dd4-4a8d-8c0d-dd76da1f02a5" xmlns:ns3="16c05727-aa75-4e4a-9b5f-8a80a1165891" targetNamespace="http://schemas.microsoft.com/office/2006/metadata/properties" ma:root="true" ma:fieldsID="8256c27c40ca5c40ce1cf6c44f0205df" ns2:_="" ns3:_="">
     <xsd:import namespace="71af3243-3dd4-4a8d-8c0d-dd76da1f02a5"/>
@@ -19383,25 +19537,24 @@
 </ct:contentTypeSchema>
 </file>
 
-<file path=customXml/itemProps1.xml><?xml version="1.0" encoding="utf-8"?>
-<ds:datastoreItem xmlns:ds="http://schemas.openxmlformats.org/officeDocument/2006/customXml" ds:itemID="{03C7D9E6-B0D9-433E-BD46-EB60F64F4DA8}">
-  <ds:schemaRefs>
-    <ds:schemaRef ds:uri="http://schemas.microsoft.com/office/2006/metadata/properties"/>
-    <ds:schemaRef ds:uri="http://schemas.microsoft.com/office/infopath/2007/PartnerControls"/>
-    <ds:schemaRef ds:uri="71af3243-3dd4-4a8d-8c0d-dd76da1f02a5"/>
-  </ds:schemaRefs>
-</ds:datastoreItem>
+<file path=customXml/item2.xml><?xml version="1.0" encoding="utf-8"?>
+<?mso-contentType ?>
+<FormTemplates xmlns="http://schemas.microsoft.com/sharepoint/v3/contenttype/forms">
+  <Display>DocumentLibraryForm</Display>
+  <Edit>DocumentLibraryForm</Edit>
+  <New>DocumentLibraryForm</New>
+</FormTemplates>
 </file>
 
-<file path=customXml/itemProps2.xml><?xml version="1.0" encoding="utf-8"?>
-<ds:datastoreItem xmlns:ds="http://schemas.openxmlformats.org/officeDocument/2006/customXml" ds:itemID="{5CA875DA-F9FD-4F83-A049-3B1027B542DE}">
-  <ds:schemaRefs>
-    <ds:schemaRef ds:uri="http://schemas.microsoft.com/sharepoint/v3/contenttype/forms"/>
-  </ds:schemaRefs>
-</ds:datastoreItem>
+<file path=customXml/item3.xml><?xml version="1.0" encoding="utf-8"?>
+<p:properties xmlns:p="http://schemas.microsoft.com/office/2006/metadata/properties" xmlns:xsi="http://www.w3.org/2001/XMLSchema-instance" xmlns:pc="http://schemas.microsoft.com/office/infopath/2007/PartnerControls">
+  <documentManagement>
+    <MediaServiceKeyPoints xmlns="71af3243-3dd4-4a8d-8c0d-dd76da1f02a5" xsi:nil="true"/>
+  </documentManagement>
+</p:properties>
 </file>
 
-<file path=customXml/itemProps3.xml><?xml version="1.0" encoding="utf-8"?>
+<file path=customXml/itemProps1.xml><?xml version="1.0" encoding="utf-8"?>
 <ds:datastoreItem xmlns:ds="http://schemas.openxmlformats.org/officeDocument/2006/customXml" ds:itemID="{B2AB02E3-5ADF-4BF0-9C1B-35CDF3FE95B0}">
   <ds:schemaRefs>
     <ds:schemaRef ds:uri="http://schemas.microsoft.com/office/2006/metadata/contentType"/>
@@ -19418,4 +19571,22 @@
     <ds:schemaRef ds:uri="http://schemas.microsoft.com/internal/obd"/>
   </ds:schemaRefs>
 </ds:datastoreItem>
+</file>
+
+<file path=customXml/itemProps2.xml><?xml version="1.0" encoding="utf-8"?>
+<ds:datastoreItem xmlns:ds="http://schemas.openxmlformats.org/officeDocument/2006/customXml" ds:itemID="{5CA875DA-F9FD-4F83-A049-3B1027B542DE}">
+  <ds:schemaRefs>
+    <ds:schemaRef ds:uri="http://schemas.microsoft.com/sharepoint/v3/contenttype/forms"/>
+  </ds:schemaRefs>
+</ds:datastoreItem>
+</file>
+
+<file path=customXml/itemProps3.xml><?xml version="1.0" encoding="utf-8"?>
+<ds:datastoreItem xmlns:ds="http://schemas.openxmlformats.org/officeDocument/2006/customXml" ds:itemID="{03C7D9E6-B0D9-433E-BD46-EB60F64F4DA8}">
+  <ds:schemaRefs>
+    <ds:schemaRef ds:uri="http://schemas.microsoft.com/office/2006/metadata/properties"/>
+    <ds:schemaRef ds:uri="http://schemas.microsoft.com/office/infopath/2007/PartnerControls"/>
+    <ds:schemaRef ds:uri="71af3243-3dd4-4a8d-8c0d-dd76da1f02a5"/>
+  </ds:schemaRefs>
+</ds:datastoreItem>
 </file>